--- a/docs/Askkit.pptx
+++ b/docs/Askkit.pptx
@@ -5,15 +5,18 @@
     <p:sldMasterId id="2147483776" r:id="rId1"/>
   </p:sldMasterIdLst>
   <p:notesMasterIdLst>
-    <p:notesMasterId r:id="rId8"/>
+    <p:notesMasterId r:id="rId11"/>
   </p:notesMasterIdLst>
   <p:sldIdLst>
     <p:sldId id="256" r:id="rId2"/>
     <p:sldId id="261" r:id="rId3"/>
     <p:sldId id="257" r:id="rId4"/>
-    <p:sldId id="258" r:id="rId5"/>
-    <p:sldId id="259" r:id="rId6"/>
-    <p:sldId id="260" r:id="rId7"/>
+    <p:sldId id="262" r:id="rId5"/>
+    <p:sldId id="258" r:id="rId6"/>
+    <p:sldId id="263" r:id="rId7"/>
+    <p:sldId id="264" r:id="rId8"/>
+    <p:sldId id="259" r:id="rId9"/>
+    <p:sldId id="260" r:id="rId10"/>
   </p:sldIdLst>
   <p:sldSz cx="12192000" cy="6858000"/>
   <p:notesSz cx="6858000" cy="9144000"/>
@@ -112,6 +115,11 @@
       </a:defRPr>
     </a:lvl9pPr>
   </p:defaultTextStyle>
+  <p:extLst>
+    <p:ext uri="{EFAFB233-063F-42B5-8137-9DF3F51BA10A}">
+      <p15:sldGuideLst xmlns:p15="http://schemas.microsoft.com/office/powerpoint/2012/main"/>
+    </p:ext>
+  </p:extLst>
 </p:presentation>
 </file>
 
@@ -11995,6 +12003,90 @@
           <a:bodyPr/>
           <a:lstStyle/>
           <a:p>
+            <a:endParaRPr lang="pt-PT" dirty="0"/>
+          </a:p>
+        </p:txBody>
+      </p:sp>
+      <p:sp>
+        <p:nvSpPr>
+          <p:cNvPr id="4" name="Marcador de Posição do Número do Diapositivo 3"/>
+          <p:cNvSpPr>
+            <a:spLocks noGrp="1"/>
+          </p:cNvSpPr>
+          <p:nvPr>
+            <p:ph type="sldNum" sz="quarter" idx="5"/>
+          </p:nvPr>
+        </p:nvSpPr>
+        <p:spPr/>
+        <p:txBody>
+          <a:bodyPr/>
+          <a:lstStyle/>
+          <a:p>
+            <a:fld id="{3FF727AB-6EB0-49A3-90CE-927644F1B1A0}" type="slidenum">
+              <a:rPr lang="pt-PT" smtClean="0"/>
+              <a:t>1</a:t>
+            </a:fld>
+            <a:endParaRPr lang="pt-PT"/>
+          </a:p>
+        </p:txBody>
+      </p:sp>
+    </p:spTree>
+    <p:extLst>
+      <p:ext uri="{BB962C8B-B14F-4D97-AF65-F5344CB8AC3E}">
+        <p14:creationId xmlns:p14="http://schemas.microsoft.com/office/powerpoint/2010/main" val="3078391030"/>
+      </p:ext>
+    </p:extLst>
+  </p:cSld>
+  <p:clrMapOvr>
+    <a:masterClrMapping/>
+  </p:clrMapOvr>
+</p:notes>
+</file>
+
+<file path=ppt/notesSlides/notesSlide2.xml><?xml version="1.0" encoding="utf-8"?>
+<p:notes xmlns:a="http://schemas.openxmlformats.org/drawingml/2006/main" xmlns:r="http://schemas.openxmlformats.org/officeDocument/2006/relationships" xmlns:p="http://schemas.openxmlformats.org/presentationml/2006/main">
+  <p:cSld>
+    <p:spTree>
+      <p:nvGrpSpPr>
+        <p:cNvPr id="1" name=""/>
+        <p:cNvGrpSpPr/>
+        <p:nvPr/>
+      </p:nvGrpSpPr>
+      <p:grpSpPr>
+        <a:xfrm>
+          <a:off x="0" y="0"/>
+          <a:ext cx="0" cy="0"/>
+          <a:chOff x="0" y="0"/>
+          <a:chExt cx="0" cy="0"/>
+        </a:xfrm>
+      </p:grpSpPr>
+      <p:sp>
+        <p:nvSpPr>
+          <p:cNvPr id="2" name="Marcador de Posição da Imagem do Diapositivo 1"/>
+          <p:cNvSpPr>
+            <a:spLocks noGrp="1" noRot="1" noChangeAspect="1"/>
+          </p:cNvSpPr>
+          <p:nvPr>
+            <p:ph type="sldImg"/>
+          </p:nvPr>
+        </p:nvSpPr>
+        <p:spPr/>
+      </p:sp>
+      <p:sp>
+        <p:nvSpPr>
+          <p:cNvPr id="3" name="Marcador de Posição de Notas 2"/>
+          <p:cNvSpPr>
+            <a:spLocks noGrp="1"/>
+          </p:cNvSpPr>
+          <p:nvPr>
+            <p:ph type="body" idx="1"/>
+          </p:nvPr>
+        </p:nvSpPr>
+        <p:spPr/>
+        <p:txBody>
+          <a:bodyPr/>
+          <a:lstStyle/>
+          <a:p>
             <a:r>
               <a:rPr lang="pt-PT" dirty="0"/>
               <a:t>- Lista de </a:t>
@@ -12093,7 +12185,149 @@
 </p:notes>
 </file>
 
-<file path=ppt/notesSlides/notesSlide2.xml><?xml version="1.0" encoding="utf-8"?>
+<file path=ppt/notesSlides/notesSlide3.xml><?xml version="1.0" encoding="utf-8"?>
+<p:notes xmlns:a="http://schemas.openxmlformats.org/drawingml/2006/main" xmlns:r="http://schemas.openxmlformats.org/officeDocument/2006/relationships" xmlns:p="http://schemas.openxmlformats.org/presentationml/2006/main">
+  <p:cSld>
+    <p:spTree>
+      <p:nvGrpSpPr>
+        <p:cNvPr id="1" name=""/>
+        <p:cNvGrpSpPr/>
+        <p:nvPr/>
+      </p:nvGrpSpPr>
+      <p:grpSpPr>
+        <a:xfrm>
+          <a:off x="0" y="0"/>
+          <a:ext cx="0" cy="0"/>
+          <a:chOff x="0" y="0"/>
+          <a:chExt cx="0" cy="0"/>
+        </a:xfrm>
+      </p:grpSpPr>
+      <p:sp>
+        <p:nvSpPr>
+          <p:cNvPr id="2" name="Marcador de Posição da Imagem do Diapositivo 1"/>
+          <p:cNvSpPr>
+            <a:spLocks noGrp="1" noRot="1" noChangeAspect="1"/>
+          </p:cNvSpPr>
+          <p:nvPr>
+            <p:ph type="sldImg"/>
+          </p:nvPr>
+        </p:nvSpPr>
+        <p:spPr/>
+      </p:sp>
+      <p:sp>
+        <p:nvSpPr>
+          <p:cNvPr id="3" name="Marcador de Posição de Notas 2"/>
+          <p:cNvSpPr>
+            <a:spLocks noGrp="1"/>
+          </p:cNvSpPr>
+          <p:nvPr>
+            <p:ph type="body" idx="1"/>
+          </p:nvPr>
+        </p:nvSpPr>
+        <p:spPr/>
+        <p:txBody>
+          <a:bodyPr/>
+          <a:lstStyle/>
+          <a:p>
+            <a:r>
+              <a:rPr lang="pt-PT" dirty="0"/>
+              <a:t>- Lista de </a:t>
+            </a:r>
+            <a:r>
+              <a:rPr lang="pt-PT" dirty="0" err="1"/>
+              <a:t>talks</a:t>
+            </a:r>
+            <a:endParaRPr lang="pt-PT" dirty="0"/>
+          </a:p>
+          <a:p>
+            <a:r>
+              <a:rPr lang="pt-PT" dirty="0"/>
+              <a:t>- Em cada </a:t>
+            </a:r>
+            <a:r>
+              <a:rPr lang="pt-PT" dirty="0" err="1"/>
+              <a:t>talk</a:t>
+            </a:r>
+            <a:r>
+              <a:rPr lang="pt-PT" dirty="0"/>
+              <a:t> todos podem criar perguntas</a:t>
+            </a:r>
+          </a:p>
+          <a:p>
+            <a:pPr marL="171450" indent="-171450">
+              <a:buFontTx/>
+              <a:buChar char="-"/>
+            </a:pPr>
+            <a:r>
+              <a:rPr lang="pt-PT" dirty="0"/>
+              <a:t>Utilizadores podem votar em perguntas e responder se quiser</a:t>
+            </a:r>
+          </a:p>
+          <a:p>
+            <a:pPr marL="171450" indent="-171450">
+              <a:buFontTx/>
+              <a:buChar char="-"/>
+            </a:pPr>
+            <a:r>
+              <a:rPr lang="pt-PT" dirty="0"/>
+              <a:t>Perguntas </a:t>
+            </a:r>
+            <a:r>
+              <a:rPr lang="pt-PT" dirty="0" err="1"/>
+              <a:t>sao</a:t>
+            </a:r>
+            <a:r>
+              <a:rPr lang="pt-PT" dirty="0"/>
+              <a:t> ordenadas por número de votos p/ </a:t>
+            </a:r>
+            <a:r>
+              <a:rPr lang="pt-PT" dirty="0" err="1"/>
+              <a:t>hosts</a:t>
+            </a:r>
+            <a:r>
+              <a:rPr lang="pt-PT" dirty="0"/>
+              <a:t> escolherem</a:t>
+            </a:r>
+          </a:p>
+        </p:txBody>
+      </p:sp>
+      <p:sp>
+        <p:nvSpPr>
+          <p:cNvPr id="4" name="Marcador de Posição do Número do Diapositivo 3"/>
+          <p:cNvSpPr>
+            <a:spLocks noGrp="1"/>
+          </p:cNvSpPr>
+          <p:nvPr>
+            <p:ph type="sldNum" sz="quarter" idx="5"/>
+          </p:nvPr>
+        </p:nvSpPr>
+        <p:spPr/>
+        <p:txBody>
+          <a:bodyPr/>
+          <a:lstStyle/>
+          <a:p>
+            <a:fld id="{3FF727AB-6EB0-49A3-90CE-927644F1B1A0}" type="slidenum">
+              <a:rPr lang="pt-PT" smtClean="0"/>
+              <a:t>4</a:t>
+            </a:fld>
+            <a:endParaRPr lang="pt-PT"/>
+          </a:p>
+        </p:txBody>
+      </p:sp>
+    </p:spTree>
+    <p:extLst>
+      <p:ext uri="{BB962C8B-B14F-4D97-AF65-F5344CB8AC3E}">
+        <p14:creationId xmlns:p14="http://schemas.microsoft.com/office/powerpoint/2010/main" val="3386703258"/>
+      </p:ext>
+    </p:extLst>
+  </p:cSld>
+  <p:clrMapOvr>
+    <a:masterClrMapping/>
+  </p:clrMapOvr>
+</p:notes>
+</file>
+
+<file path=ppt/notesSlides/notesSlide4.xml><?xml version="1.0" encoding="utf-8"?>
 <p:notes xmlns:a="http://schemas.openxmlformats.org/drawingml/2006/main" xmlns:r="http://schemas.openxmlformats.org/officeDocument/2006/relationships" xmlns:p="http://schemas.openxmlformats.org/presentationml/2006/main">
   <p:cSld>
     <p:spTree>
@@ -12222,7 +12456,7 @@
           <a:p>
             <a:fld id="{3FF727AB-6EB0-49A3-90CE-927644F1B1A0}" type="slidenum">
               <a:rPr lang="pt-PT" smtClean="0"/>
-              <a:t>4</a:t>
+              <a:t>5</a:t>
             </a:fld>
             <a:endParaRPr lang="pt-PT"/>
           </a:p>
@@ -12241,7 +12475,91 @@
 </p:notes>
 </file>
 
-<file path=ppt/notesSlides/notesSlide3.xml><?xml version="1.0" encoding="utf-8"?>
+<file path=ppt/notesSlides/notesSlide5.xml><?xml version="1.0" encoding="utf-8"?>
+<p:notes xmlns:a="http://schemas.openxmlformats.org/drawingml/2006/main" xmlns:r="http://schemas.openxmlformats.org/officeDocument/2006/relationships" xmlns:p="http://schemas.openxmlformats.org/presentationml/2006/main">
+  <p:cSld>
+    <p:spTree>
+      <p:nvGrpSpPr>
+        <p:cNvPr id="1" name=""/>
+        <p:cNvGrpSpPr/>
+        <p:nvPr/>
+      </p:nvGrpSpPr>
+      <p:grpSpPr>
+        <a:xfrm>
+          <a:off x="0" y="0"/>
+          <a:ext cx="0" cy="0"/>
+          <a:chOff x="0" y="0"/>
+          <a:chExt cx="0" cy="0"/>
+        </a:xfrm>
+      </p:grpSpPr>
+      <p:sp>
+        <p:nvSpPr>
+          <p:cNvPr id="2" name="Marcador de Posição da Imagem do Diapositivo 1"/>
+          <p:cNvSpPr>
+            <a:spLocks noGrp="1" noRot="1" noChangeAspect="1"/>
+          </p:cNvSpPr>
+          <p:nvPr>
+            <p:ph type="sldImg"/>
+          </p:nvPr>
+        </p:nvSpPr>
+        <p:spPr/>
+      </p:sp>
+      <p:sp>
+        <p:nvSpPr>
+          <p:cNvPr id="3" name="Marcador de Posição de Notas 2"/>
+          <p:cNvSpPr>
+            <a:spLocks noGrp="1"/>
+          </p:cNvSpPr>
+          <p:nvPr>
+            <p:ph type="body" idx="1"/>
+          </p:nvPr>
+        </p:nvSpPr>
+        <p:spPr/>
+        <p:txBody>
+          <a:bodyPr/>
+          <a:lstStyle/>
+          <a:p>
+            <a:endParaRPr lang="pt-PT" dirty="0"/>
+          </a:p>
+        </p:txBody>
+      </p:sp>
+      <p:sp>
+        <p:nvSpPr>
+          <p:cNvPr id="4" name="Marcador de Posição do Número do Diapositivo 3"/>
+          <p:cNvSpPr>
+            <a:spLocks noGrp="1"/>
+          </p:cNvSpPr>
+          <p:nvPr>
+            <p:ph type="sldNum" sz="quarter" idx="5"/>
+          </p:nvPr>
+        </p:nvSpPr>
+        <p:spPr/>
+        <p:txBody>
+          <a:bodyPr/>
+          <a:lstStyle/>
+          <a:p>
+            <a:fld id="{3FF727AB-6EB0-49A3-90CE-927644F1B1A0}" type="slidenum">
+              <a:rPr lang="pt-PT" smtClean="0"/>
+              <a:t>6</a:t>
+            </a:fld>
+            <a:endParaRPr lang="pt-PT"/>
+          </a:p>
+        </p:txBody>
+      </p:sp>
+    </p:spTree>
+    <p:extLst>
+      <p:ext uri="{BB962C8B-B14F-4D97-AF65-F5344CB8AC3E}">
+        <p14:creationId xmlns:p14="http://schemas.microsoft.com/office/powerpoint/2010/main" val="3229820702"/>
+      </p:ext>
+    </p:extLst>
+  </p:cSld>
+  <p:clrMapOvr>
+    <a:masterClrMapping/>
+  </p:clrMapOvr>
+</p:notes>
+</file>
+
+<file path=ppt/notesSlides/notesSlide6.xml><?xml version="1.0" encoding="utf-8"?>
 <p:notes xmlns:a="http://schemas.openxmlformats.org/drawingml/2006/main" xmlns:r="http://schemas.openxmlformats.org/officeDocument/2006/relationships" xmlns:p="http://schemas.openxmlformats.org/presentationml/2006/main">
   <p:cSld>
     <p:spTree>
@@ -12366,7 +12684,7 @@
           <a:p>
             <a:fld id="{3FF727AB-6EB0-49A3-90CE-927644F1B1A0}" type="slidenum">
               <a:rPr lang="pt-PT" smtClean="0"/>
-              <a:t>5</a:t>
+              <a:t>8</a:t>
             </a:fld>
             <a:endParaRPr lang="pt-PT"/>
           </a:p>
@@ -12385,7 +12703,7 @@
 </p:notes>
 </file>
 
-<file path=ppt/notesSlides/notesSlide4.xml><?xml version="1.0" encoding="utf-8"?>
+<file path=ppt/notesSlides/notesSlide7.xml><?xml version="1.0" encoding="utf-8"?>
 <p:notes xmlns:a="http://schemas.openxmlformats.org/drawingml/2006/main" xmlns:r="http://schemas.openxmlformats.org/officeDocument/2006/relationships" xmlns:p="http://schemas.openxmlformats.org/presentationml/2006/main">
   <p:cSld>
     <p:spTree>
@@ -12486,7 +12804,7 @@
           <a:p>
             <a:fld id="{3FF727AB-6EB0-49A3-90CE-927644F1B1A0}" type="slidenum">
               <a:rPr lang="pt-PT" smtClean="0"/>
-              <a:t>6</a:t>
+              <a:t>9</a:t>
             </a:fld>
             <a:endParaRPr lang="pt-PT"/>
           </a:p>
@@ -18908,6 +19226,238 @@
           <p:cNvPr id="2" name="Título 1">
             <a:extLst>
               <a:ext uri="{FF2B5EF4-FFF2-40B4-BE49-F238E27FC236}">
+                <a16:creationId xmlns:a16="http://schemas.microsoft.com/office/drawing/2014/main" id="{1B90F050-D06B-4BB7-A90A-9B1C61159E54}"/>
+              </a:ext>
+            </a:extLst>
+          </p:cNvPr>
+          <p:cNvSpPr>
+            <a:spLocks noGrp="1"/>
+          </p:cNvSpPr>
+          <p:nvPr>
+            <p:ph type="title"/>
+          </p:nvPr>
+        </p:nvSpPr>
+        <p:spPr>
+          <a:xfrm>
+            <a:off x="1760706" y="685800"/>
+            <a:ext cx="9742318" cy="1752599"/>
+          </a:xfrm>
+        </p:spPr>
+        <p:txBody>
+          <a:bodyPr>
+            <a:normAutofit/>
+          </a:bodyPr>
+          <a:lstStyle/>
+          <a:p>
+            <a:r>
+              <a:rPr lang="pt-PT"/>
+              <a:t>Core features</a:t>
+            </a:r>
+            <a:br>
+              <a:rPr lang="pt-PT"/>
+            </a:br>
+            <a:endParaRPr lang="pt-PT"/>
+          </a:p>
+        </p:txBody>
+      </p:sp>
+      <p:pic>
+        <p:nvPicPr>
+          <p:cNvPr id="1030" name="Picture 6">
+            <a:extLst>
+              <a:ext uri="{FF2B5EF4-FFF2-40B4-BE49-F238E27FC236}">
+                <a16:creationId xmlns:a16="http://schemas.microsoft.com/office/drawing/2014/main" id="{BD45A85D-FC1A-48AE-9F3B-ABEA34DF2202}"/>
+              </a:ext>
+            </a:extLst>
+          </p:cNvPr>
+          <p:cNvPicPr>
+            <a:picLocks noChangeAspect="1" noChangeArrowheads="1"/>
+          </p:cNvPicPr>
+          <p:nvPr/>
+        </p:nvPicPr>
+        <p:blipFill>
+          <a:blip r:embed="rId3">
+            <a:extLst>
+              <a:ext uri="{28A0092B-C50C-407E-A947-70E740481C1C}">
+                <a14:useLocalDpi xmlns:a14="http://schemas.microsoft.com/office/drawing/2010/main" val="0"/>
+              </a:ext>
+            </a:extLst>
+          </a:blip>
+          <a:srcRect/>
+          <a:stretch>
+            <a:fillRect/>
+          </a:stretch>
+        </p:blipFill>
+        <p:spPr bwMode="auto">
+          <a:xfrm>
+            <a:off x="8334376" y="0"/>
+            <a:ext cx="3857625" cy="6858000"/>
+          </a:xfrm>
+          <a:prstGeom prst="rect">
+            <a:avLst/>
+          </a:prstGeom>
+          <a:noFill/>
+          <a:extLst>
+            <a:ext uri="{909E8E84-426E-40DD-AFC4-6F175D3DCCD1}">
+              <a14:hiddenFill xmlns:a14="http://schemas.microsoft.com/office/drawing/2010/main">
+                <a:solidFill>
+                  <a:srgbClr val="FFFFFF"/>
+                </a:solidFill>
+              </a14:hiddenFill>
+            </a:ext>
+          </a:extLst>
+        </p:spPr>
+      </p:pic>
+      <p:pic>
+        <p:nvPicPr>
+          <p:cNvPr id="1032" name="Picture 8">
+            <a:extLst>
+              <a:ext uri="{FF2B5EF4-FFF2-40B4-BE49-F238E27FC236}">
+                <a16:creationId xmlns:a16="http://schemas.microsoft.com/office/drawing/2014/main" id="{95AF4385-125D-4E81-B57D-1CAC94F58790}"/>
+              </a:ext>
+            </a:extLst>
+          </p:cNvPr>
+          <p:cNvPicPr>
+            <a:picLocks noChangeAspect="1" noChangeArrowheads="1"/>
+          </p:cNvPicPr>
+          <p:nvPr/>
+        </p:nvPicPr>
+        <p:blipFill>
+          <a:blip r:embed="rId4">
+            <a:extLst>
+              <a:ext uri="{28A0092B-C50C-407E-A947-70E740481C1C}">
+                <a14:useLocalDpi xmlns:a14="http://schemas.microsoft.com/office/drawing/2010/main" val="0"/>
+              </a:ext>
+            </a:extLst>
+          </a:blip>
+          <a:srcRect/>
+          <a:stretch>
+            <a:fillRect/>
+          </a:stretch>
+        </p:blipFill>
+        <p:spPr bwMode="auto">
+          <a:xfrm>
+            <a:off x="0" y="0"/>
+            <a:ext cx="3857625" cy="6858000"/>
+          </a:xfrm>
+          <a:prstGeom prst="rect">
+            <a:avLst/>
+          </a:prstGeom>
+          <a:noFill/>
+          <a:extLst>
+            <a:ext uri="{909E8E84-426E-40DD-AFC4-6F175D3DCCD1}">
+              <a14:hiddenFill xmlns:a14="http://schemas.microsoft.com/office/drawing/2010/main">
+                <a:solidFill>
+                  <a:srgbClr val="FFFFFF"/>
+                </a:solidFill>
+              </a14:hiddenFill>
+            </a:ext>
+          </a:extLst>
+        </p:spPr>
+      </p:pic>
+      <p:pic>
+        <p:nvPicPr>
+          <p:cNvPr id="1034" name="Picture 10">
+            <a:extLst>
+              <a:ext uri="{FF2B5EF4-FFF2-40B4-BE49-F238E27FC236}">
+                <a16:creationId xmlns:a16="http://schemas.microsoft.com/office/drawing/2014/main" id="{96C3871A-1F9E-46C4-B061-8E7A6CCEA10D}"/>
+              </a:ext>
+            </a:extLst>
+          </p:cNvPr>
+          <p:cNvPicPr>
+            <a:picLocks noChangeAspect="1" noChangeArrowheads="1"/>
+          </p:cNvPicPr>
+          <p:nvPr/>
+        </p:nvPicPr>
+        <p:blipFill>
+          <a:blip r:embed="rId5">
+            <a:extLst>
+              <a:ext uri="{28A0092B-C50C-407E-A947-70E740481C1C}">
+                <a14:useLocalDpi xmlns:a14="http://schemas.microsoft.com/office/drawing/2010/main" val="0"/>
+              </a:ext>
+            </a:extLst>
+          </a:blip>
+          <a:srcRect/>
+          <a:stretch>
+            <a:fillRect/>
+          </a:stretch>
+        </p:blipFill>
+        <p:spPr bwMode="auto">
+          <a:xfrm>
+            <a:off x="4167188" y="0"/>
+            <a:ext cx="3857625" cy="6858000"/>
+          </a:xfrm>
+          <a:prstGeom prst="rect">
+            <a:avLst/>
+          </a:prstGeom>
+          <a:noFill/>
+          <a:extLst>
+            <a:ext uri="{909E8E84-426E-40DD-AFC4-6F175D3DCCD1}">
+              <a14:hiddenFill xmlns:a14="http://schemas.microsoft.com/office/drawing/2010/main">
+                <a:solidFill>
+                  <a:srgbClr val="FFFFFF"/>
+                </a:solidFill>
+              </a14:hiddenFill>
+            </a:ext>
+          </a:extLst>
+        </p:spPr>
+      </p:pic>
+    </p:spTree>
+    <p:extLst>
+      <p:ext uri="{BB962C8B-B14F-4D97-AF65-F5344CB8AC3E}">
+        <p14:creationId xmlns:p14="http://schemas.microsoft.com/office/powerpoint/2010/main" val="3350165239"/>
+      </p:ext>
+    </p:extLst>
+  </p:cSld>
+  <p:clrMapOvr>
+    <a:masterClrMapping/>
+  </p:clrMapOvr>
+</p:sld>
+</file>
+
+<file path=ppt/slides/slide5.xml><?xml version="1.0" encoding="utf-8"?>
+<p:sld xmlns:a="http://schemas.openxmlformats.org/drawingml/2006/main" xmlns:r="http://schemas.openxmlformats.org/officeDocument/2006/relationships" xmlns:p="http://schemas.openxmlformats.org/presentationml/2006/main">
+  <p:cSld>
+    <p:bg>
+      <p:bgPr>
+        <a:gradFill rotWithShape="1">
+          <a:gsLst>
+            <a:gs pos="0">
+              <a:schemeClr val="bg2">
+                <a:tint val="90000"/>
+                <a:lumMod val="110000"/>
+              </a:schemeClr>
+            </a:gs>
+            <a:gs pos="100000">
+              <a:schemeClr val="bg2">
+                <a:shade val="64000"/>
+                <a:lumMod val="98000"/>
+              </a:schemeClr>
+            </a:gs>
+          </a:gsLst>
+          <a:lin ang="5400000" scaled="0"/>
+        </a:gradFill>
+        <a:effectLst/>
+      </p:bgPr>
+    </p:bg>
+    <p:spTree>
+      <p:nvGrpSpPr>
+        <p:cNvPr id="1" name=""/>
+        <p:cNvGrpSpPr/>
+        <p:nvPr/>
+      </p:nvGrpSpPr>
+      <p:grpSpPr>
+        <a:xfrm>
+          <a:off x="0" y="0"/>
+          <a:ext cx="0" cy="0"/>
+          <a:chOff x="0" y="0"/>
+          <a:chExt cx="0" cy="0"/>
+        </a:xfrm>
+      </p:grpSpPr>
+      <p:sp>
+        <p:nvSpPr>
+          <p:cNvPr id="2" name="Título 1">
+            <a:extLst>
+              <a:ext uri="{FF2B5EF4-FFF2-40B4-BE49-F238E27FC236}">
                 <a16:creationId xmlns:a16="http://schemas.microsoft.com/office/drawing/2014/main" id="{BB6D8594-AE54-4B76-9C59-CA872F14874B}"/>
               </a:ext>
             </a:extLst>
@@ -18991,7 +19541,305 @@
 </p:sld>
 </file>
 
-<file path=ppt/slides/slide5.xml><?xml version="1.0" encoding="utf-8"?>
+<file path=ppt/slides/slide6.xml><?xml version="1.0" encoding="utf-8"?>
+<p:sld xmlns:a="http://schemas.openxmlformats.org/drawingml/2006/main" xmlns:r="http://schemas.openxmlformats.org/officeDocument/2006/relationships" xmlns:p="http://schemas.openxmlformats.org/presentationml/2006/main">
+  <p:cSld>
+    <p:spTree>
+      <p:nvGrpSpPr>
+        <p:cNvPr id="1" name=""/>
+        <p:cNvGrpSpPr/>
+        <p:nvPr/>
+      </p:nvGrpSpPr>
+      <p:grpSpPr>
+        <a:xfrm>
+          <a:off x="0" y="0"/>
+          <a:ext cx="0" cy="0"/>
+          <a:chOff x="0" y="0"/>
+          <a:chExt cx="0" cy="0"/>
+        </a:xfrm>
+      </p:grpSpPr>
+      <p:pic>
+        <p:nvPicPr>
+          <p:cNvPr id="2050" name="Picture 2" descr="Uma imagem com captura de ecrã&#10;&#10;Descrição gerada automaticamente">
+            <a:extLst>
+              <a:ext uri="{FF2B5EF4-FFF2-40B4-BE49-F238E27FC236}">
+                <a16:creationId xmlns:a16="http://schemas.microsoft.com/office/drawing/2014/main" id="{7A6ACAC8-5511-4BBF-ABBE-9B5DBAD1C7A4}"/>
+              </a:ext>
+            </a:extLst>
+          </p:cNvPr>
+          <p:cNvPicPr>
+            <a:picLocks noChangeAspect="1" noChangeArrowheads="1"/>
+          </p:cNvPicPr>
+          <p:nvPr/>
+        </p:nvPicPr>
+        <p:blipFill>
+          <a:blip r:embed="rId3">
+            <a:extLst>
+              <a:ext uri="{28A0092B-C50C-407E-A947-70E740481C1C}">
+                <a14:useLocalDpi xmlns:a14="http://schemas.microsoft.com/office/drawing/2010/main" val="0"/>
+              </a:ext>
+            </a:extLst>
+          </a:blip>
+          <a:srcRect/>
+          <a:stretch>
+            <a:fillRect/>
+          </a:stretch>
+        </p:blipFill>
+        <p:spPr bwMode="auto">
+          <a:xfrm>
+            <a:off x="0" y="0"/>
+            <a:ext cx="3857625" cy="6858000"/>
+          </a:xfrm>
+          <a:prstGeom prst="rect">
+            <a:avLst/>
+          </a:prstGeom>
+          <a:noFill/>
+          <a:extLst>
+            <a:ext uri="{909E8E84-426E-40DD-AFC4-6F175D3DCCD1}">
+              <a14:hiddenFill xmlns:a14="http://schemas.microsoft.com/office/drawing/2010/main">
+                <a:solidFill>
+                  <a:srgbClr val="FFFFFF"/>
+                </a:solidFill>
+              </a14:hiddenFill>
+            </a:ext>
+          </a:extLst>
+        </p:spPr>
+      </p:pic>
+      <p:pic>
+        <p:nvPicPr>
+          <p:cNvPr id="2054" name="Picture 6" descr="Uma imagem com captura de ecrã&#10;&#10;Descrição gerada automaticamente">
+            <a:extLst>
+              <a:ext uri="{FF2B5EF4-FFF2-40B4-BE49-F238E27FC236}">
+                <a16:creationId xmlns:a16="http://schemas.microsoft.com/office/drawing/2014/main" id="{D150AD2E-8A17-4101-9DE5-B5E1EA12CA3F}"/>
+              </a:ext>
+            </a:extLst>
+          </p:cNvPr>
+          <p:cNvPicPr>
+            <a:picLocks noChangeAspect="1" noChangeArrowheads="1"/>
+          </p:cNvPicPr>
+          <p:nvPr/>
+        </p:nvPicPr>
+        <p:blipFill>
+          <a:blip r:embed="rId4">
+            <a:extLst>
+              <a:ext uri="{28A0092B-C50C-407E-A947-70E740481C1C}">
+                <a14:useLocalDpi xmlns:a14="http://schemas.microsoft.com/office/drawing/2010/main" val="0"/>
+              </a:ext>
+            </a:extLst>
+          </a:blip>
+          <a:srcRect/>
+          <a:stretch>
+            <a:fillRect/>
+          </a:stretch>
+        </p:blipFill>
+        <p:spPr bwMode="auto">
+          <a:xfrm>
+            <a:off x="4167188" y="0"/>
+            <a:ext cx="3857625" cy="6858000"/>
+          </a:xfrm>
+          <a:prstGeom prst="rect">
+            <a:avLst/>
+          </a:prstGeom>
+          <a:noFill/>
+          <a:extLst>
+            <a:ext uri="{909E8E84-426E-40DD-AFC4-6F175D3DCCD1}">
+              <a14:hiddenFill xmlns:a14="http://schemas.microsoft.com/office/drawing/2010/main">
+                <a:solidFill>
+                  <a:srgbClr val="FFFFFF"/>
+                </a:solidFill>
+              </a14:hiddenFill>
+            </a:ext>
+          </a:extLst>
+        </p:spPr>
+      </p:pic>
+      <p:pic>
+        <p:nvPicPr>
+          <p:cNvPr id="2056" name="Picture 8" descr="Uma imagem com captura de ecrã&#10;&#10;Descrição gerada automaticamente">
+            <a:extLst>
+              <a:ext uri="{FF2B5EF4-FFF2-40B4-BE49-F238E27FC236}">
+                <a16:creationId xmlns:a16="http://schemas.microsoft.com/office/drawing/2014/main" id="{E8A244C5-EEBD-4829-A281-19998181F032}"/>
+              </a:ext>
+            </a:extLst>
+          </p:cNvPr>
+          <p:cNvPicPr>
+            <a:picLocks noChangeAspect="1" noChangeArrowheads="1"/>
+          </p:cNvPicPr>
+          <p:nvPr/>
+        </p:nvPicPr>
+        <p:blipFill>
+          <a:blip r:embed="rId5">
+            <a:extLst>
+              <a:ext uri="{28A0092B-C50C-407E-A947-70E740481C1C}">
+                <a14:useLocalDpi xmlns:a14="http://schemas.microsoft.com/office/drawing/2010/main" val="0"/>
+              </a:ext>
+            </a:extLst>
+          </a:blip>
+          <a:srcRect/>
+          <a:stretch>
+            <a:fillRect/>
+          </a:stretch>
+        </p:blipFill>
+        <p:spPr bwMode="auto">
+          <a:xfrm>
+            <a:off x="8334375" y="0"/>
+            <a:ext cx="3857625" cy="6858000"/>
+          </a:xfrm>
+          <a:prstGeom prst="rect">
+            <a:avLst/>
+          </a:prstGeom>
+          <a:noFill/>
+          <a:extLst>
+            <a:ext uri="{909E8E84-426E-40DD-AFC4-6F175D3DCCD1}">
+              <a14:hiddenFill xmlns:a14="http://schemas.microsoft.com/office/drawing/2010/main">
+                <a:solidFill>
+                  <a:srgbClr val="FFFFFF"/>
+                </a:solidFill>
+              </a14:hiddenFill>
+            </a:ext>
+          </a:extLst>
+        </p:spPr>
+      </p:pic>
+    </p:spTree>
+    <p:extLst>
+      <p:ext uri="{BB962C8B-B14F-4D97-AF65-F5344CB8AC3E}">
+        <p14:creationId xmlns:p14="http://schemas.microsoft.com/office/powerpoint/2010/main" val="2327166870"/>
+      </p:ext>
+    </p:extLst>
+  </p:cSld>
+  <p:clrMapOvr>
+    <a:masterClrMapping/>
+  </p:clrMapOvr>
+</p:sld>
+</file>
+
+<file path=ppt/slides/slide7.xml><?xml version="1.0" encoding="utf-8"?>
+<p:sld xmlns:a="http://schemas.openxmlformats.org/drawingml/2006/main" xmlns:r="http://schemas.openxmlformats.org/officeDocument/2006/relationships" xmlns:p="http://schemas.openxmlformats.org/presentationml/2006/main">
+  <p:cSld>
+    <p:spTree>
+      <p:nvGrpSpPr>
+        <p:cNvPr id="1" name=""/>
+        <p:cNvGrpSpPr/>
+        <p:nvPr/>
+      </p:nvGrpSpPr>
+      <p:grpSpPr>
+        <a:xfrm>
+          <a:off x="0" y="0"/>
+          <a:ext cx="0" cy="0"/>
+          <a:chOff x="0" y="0"/>
+          <a:chExt cx="0" cy="0"/>
+        </a:xfrm>
+      </p:grpSpPr>
+      <p:sp>
+        <p:nvSpPr>
+          <p:cNvPr id="2" name="Título 1">
+            <a:extLst>
+              <a:ext uri="{FF2B5EF4-FFF2-40B4-BE49-F238E27FC236}">
+                <a16:creationId xmlns:a16="http://schemas.microsoft.com/office/drawing/2014/main" id="{FF8D70CC-F5BD-4062-8557-902CA15ED18A}"/>
+              </a:ext>
+            </a:extLst>
+          </p:cNvPr>
+          <p:cNvSpPr>
+            <a:spLocks noGrp="1"/>
+          </p:cNvSpPr>
+          <p:nvPr>
+            <p:ph type="title"/>
+          </p:nvPr>
+        </p:nvSpPr>
+        <p:spPr/>
+        <p:txBody>
+          <a:bodyPr/>
+          <a:lstStyle/>
+          <a:p>
+            <a:endParaRPr lang="pt-PT"/>
+          </a:p>
+        </p:txBody>
+      </p:sp>
+      <p:sp>
+        <p:nvSpPr>
+          <p:cNvPr id="3" name="Marcador de Posição de Conteúdo 2">
+            <a:extLst>
+              <a:ext uri="{FF2B5EF4-FFF2-40B4-BE49-F238E27FC236}">
+                <a16:creationId xmlns:a16="http://schemas.microsoft.com/office/drawing/2014/main" id="{E0417F8A-8DAD-4415-9533-4FBBD22716B6}"/>
+              </a:ext>
+            </a:extLst>
+          </p:cNvPr>
+          <p:cNvSpPr>
+            <a:spLocks noGrp="1"/>
+          </p:cNvSpPr>
+          <p:nvPr>
+            <p:ph idx="1"/>
+          </p:nvPr>
+        </p:nvSpPr>
+        <p:spPr/>
+        <p:txBody>
+          <a:bodyPr/>
+          <a:lstStyle/>
+          <a:p>
+            <a:endParaRPr lang="pt-PT"/>
+          </a:p>
+        </p:txBody>
+      </p:sp>
+      <p:pic>
+        <p:nvPicPr>
+          <p:cNvPr id="4" name="Picture 4">
+            <a:extLst>
+              <a:ext uri="{FF2B5EF4-FFF2-40B4-BE49-F238E27FC236}">
+                <a16:creationId xmlns:a16="http://schemas.microsoft.com/office/drawing/2014/main" id="{31295285-582E-4203-AE36-DCBAADE02CF8}"/>
+              </a:ext>
+            </a:extLst>
+          </p:cNvPr>
+          <p:cNvPicPr>
+            <a:picLocks noChangeAspect="1" noChangeArrowheads="1"/>
+          </p:cNvPicPr>
+          <p:nvPr/>
+        </p:nvPicPr>
+        <p:blipFill>
+          <a:blip r:embed="rId2">
+            <a:extLst>
+              <a:ext uri="{28A0092B-C50C-407E-A947-70E740481C1C}">
+                <a14:useLocalDpi xmlns:a14="http://schemas.microsoft.com/office/drawing/2010/main" val="0"/>
+              </a:ext>
+            </a:extLst>
+          </a:blip>
+          <a:srcRect/>
+          <a:stretch>
+            <a:fillRect/>
+          </a:stretch>
+        </p:blipFill>
+        <p:spPr bwMode="auto">
+          <a:xfrm>
+            <a:off x="8334377" y="0"/>
+            <a:ext cx="3857625" cy="6858000"/>
+          </a:xfrm>
+          <a:prstGeom prst="rect">
+            <a:avLst/>
+          </a:prstGeom>
+          <a:noFill/>
+          <a:extLst>
+            <a:ext uri="{909E8E84-426E-40DD-AFC4-6F175D3DCCD1}">
+              <a14:hiddenFill xmlns:a14="http://schemas.microsoft.com/office/drawing/2010/main">
+                <a:solidFill>
+                  <a:srgbClr val="FFFFFF"/>
+                </a:solidFill>
+              </a14:hiddenFill>
+            </a:ext>
+          </a:extLst>
+        </p:spPr>
+      </p:pic>
+    </p:spTree>
+    <p:extLst>
+      <p:ext uri="{BB962C8B-B14F-4D97-AF65-F5344CB8AC3E}">
+        <p14:creationId xmlns:p14="http://schemas.microsoft.com/office/powerpoint/2010/main" val="3629637208"/>
+      </p:ext>
+    </p:extLst>
+  </p:cSld>
+  <p:clrMapOvr>
+    <a:masterClrMapping/>
+  </p:clrMapOvr>
+</p:sld>
+</file>
+
+<file path=ppt/slides/slide8.xml><?xml version="1.0" encoding="utf-8"?>
 <p:sld xmlns:a="http://schemas.openxmlformats.org/drawingml/2006/main" xmlns:r="http://schemas.openxmlformats.org/officeDocument/2006/relationships" xmlns:p="http://schemas.openxmlformats.org/presentationml/2006/main">
   <p:cSld>
     <p:bg>
@@ -19787,7 +20635,7 @@
 </p:sld>
 </file>
 
-<file path=ppt/slides/slide6.xml><?xml version="1.0" encoding="utf-8"?>
+<file path=ppt/slides/slide9.xml><?xml version="1.0" encoding="utf-8"?>
 <p:sld xmlns:a="http://schemas.openxmlformats.org/drawingml/2006/main" xmlns:r="http://schemas.openxmlformats.org/officeDocument/2006/relationships" xmlns:p="http://schemas.openxmlformats.org/presentationml/2006/main">
   <p:cSld>
     <p:bg>

--- a/docs/Askkit.pptx
+++ b/docs/Askkit.pptx
@@ -3778,8 +3778,8 @@
             <a:defRPr cap="all"/>
           </a:pPr>
           <a:r>
-            <a:rPr lang="en-US" cap="none" baseline="0"/>
-            <a:t>Mark the question as answered</a:t>
+            <a:rPr lang="en-US" cap="none" baseline="0" dirty="0"/>
+            <a:t>Mark the question as answer</a:t>
           </a:r>
         </a:p>
       </dgm:t>
@@ -3873,6 +3873,48 @@
         </a:p>
       </dgm:t>
     </dgm:pt>
+    <dgm:pt modelId="{CBA48EAD-4DF5-4B87-952C-8F6A3D93F608}">
+      <dgm:prSet/>
+      <dgm:spPr/>
+      <dgm:t>
+        <a:bodyPr/>
+        <a:lstStyle/>
+        <a:p>
+          <a:pPr>
+            <a:lnSpc>
+              <a:spcPct val="100000"/>
+            </a:lnSpc>
+            <a:defRPr cap="all"/>
+          </a:pPr>
+          <a:r>
+            <a:rPr lang="en-US" cap="none" baseline="0" dirty="0"/>
+            <a:t>Edit / Delete your comments</a:t>
+          </a:r>
+        </a:p>
+      </dgm:t>
+    </dgm:pt>
+    <dgm:pt modelId="{C26B70F9-1E23-4D26-8145-F0D4B479DA30}" type="parTrans" cxnId="{04644343-84DF-4A1F-A352-E7925035AC7F}">
+      <dgm:prSet/>
+      <dgm:spPr/>
+      <dgm:t>
+        <a:bodyPr/>
+        <a:lstStyle/>
+        <a:p>
+          <a:endParaRPr lang="pt-PT"/>
+        </a:p>
+      </dgm:t>
+    </dgm:pt>
+    <dgm:pt modelId="{70EF5197-CAF6-41F8-A87E-9AD876695562}" type="sibTrans" cxnId="{04644343-84DF-4A1F-A352-E7925035AC7F}">
+      <dgm:prSet/>
+      <dgm:spPr/>
+      <dgm:t>
+        <a:bodyPr/>
+        <a:lstStyle/>
+        <a:p>
+          <a:endParaRPr lang="pt-PT"/>
+        </a:p>
+      </dgm:t>
+    </dgm:pt>
     <dgm:pt modelId="{1D720620-76ED-4C87-851F-081205531660}" type="pres">
       <dgm:prSet presAssocID="{4C21E754-37B1-4C20-BB8A-B211A9BF4BDE}" presName="root" presStyleCnt="0">
         <dgm:presLayoutVars>
@@ -3887,13 +3929,13 @@
       <dgm:spPr/>
     </dgm:pt>
     <dgm:pt modelId="{8C417E27-D6DE-4959-ADBD-0DF82B329736}" type="pres">
-      <dgm:prSet presAssocID="{9ACA20DC-D233-4F0D-A4A8-0DA1F278DD6F}" presName="iconBgRect" presStyleLbl="bgShp" presStyleIdx="0" presStyleCnt="3"/>
+      <dgm:prSet presAssocID="{9ACA20DC-D233-4F0D-A4A8-0DA1F278DD6F}" presName="iconBgRect" presStyleLbl="bgShp" presStyleIdx="0" presStyleCnt="4"/>
       <dgm:spPr>
         <a:noFill/>
       </dgm:spPr>
     </dgm:pt>
     <dgm:pt modelId="{646F9282-FD2D-4493-A7BF-089992031BA8}" type="pres">
-      <dgm:prSet presAssocID="{9ACA20DC-D233-4F0D-A4A8-0DA1F278DD6F}" presName="iconRect" presStyleLbl="node1" presStyleIdx="0" presStyleCnt="3"/>
+      <dgm:prSet presAssocID="{9ACA20DC-D233-4F0D-A4A8-0DA1F278DD6F}" presName="iconRect" presStyleLbl="node1" presStyleIdx="0" presStyleCnt="4"/>
       <dgm:spPr>
         <a:blipFill>
           <a:blip xmlns:r="http://schemas.openxmlformats.org/officeDocument/2006/relationships" r:embed="rId1">
@@ -3925,7 +3967,7 @@
       <dgm:spPr/>
     </dgm:pt>
     <dgm:pt modelId="{94CBC2AE-0DE1-4D41-AFAB-4E43561DAFA0}" type="pres">
-      <dgm:prSet presAssocID="{9ACA20DC-D233-4F0D-A4A8-0DA1F278DD6F}" presName="textRect" presStyleLbl="revTx" presStyleIdx="0" presStyleCnt="3">
+      <dgm:prSet presAssocID="{9ACA20DC-D233-4F0D-A4A8-0DA1F278DD6F}" presName="textRect" presStyleLbl="revTx" presStyleIdx="0" presStyleCnt="4">
         <dgm:presLayoutVars>
           <dgm:chMax val="1"/>
           <dgm:chPref val="1"/>
@@ -3942,13 +3984,13 @@
       <dgm:spPr/>
     </dgm:pt>
     <dgm:pt modelId="{B05B23B2-BA8F-4D6D-811A-7A869CAA9E1E}" type="pres">
-      <dgm:prSet presAssocID="{2AC8472E-65A4-4D4F-A8F1-31A0ABB692B3}" presName="iconBgRect" presStyleLbl="bgShp" presStyleIdx="1" presStyleCnt="3"/>
+      <dgm:prSet presAssocID="{2AC8472E-65A4-4D4F-A8F1-31A0ABB692B3}" presName="iconBgRect" presStyleLbl="bgShp" presStyleIdx="1" presStyleCnt="4"/>
       <dgm:spPr>
         <a:noFill/>
       </dgm:spPr>
     </dgm:pt>
     <dgm:pt modelId="{D5B2AA7F-9622-42EB-B506-CB434D38A15C}" type="pres">
-      <dgm:prSet presAssocID="{2AC8472E-65A4-4D4F-A8F1-31A0ABB692B3}" presName="iconRect" presStyleLbl="node1" presStyleIdx="1" presStyleCnt="3"/>
+      <dgm:prSet presAssocID="{2AC8472E-65A4-4D4F-A8F1-31A0ABB692B3}" presName="iconRect" presStyleLbl="node1" presStyleIdx="1" presStyleCnt="4"/>
       <dgm:spPr>
         <a:blipFill>
           <a:blip xmlns:r="http://schemas.openxmlformats.org/officeDocument/2006/relationships" r:embed="rId3">
@@ -3980,7 +4022,7 @@
       <dgm:spPr/>
     </dgm:pt>
     <dgm:pt modelId="{64E22FFC-A031-4DB8-A783-157CC8C08DF1}" type="pres">
-      <dgm:prSet presAssocID="{2AC8472E-65A4-4D4F-A8F1-31A0ABB692B3}" presName="textRect" presStyleLbl="revTx" presStyleIdx="1" presStyleCnt="3">
+      <dgm:prSet presAssocID="{2AC8472E-65A4-4D4F-A8F1-31A0ABB692B3}" presName="textRect" presStyleLbl="revTx" presStyleIdx="1" presStyleCnt="4">
         <dgm:presLayoutVars>
           <dgm:chMax val="1"/>
           <dgm:chPref val="1"/>
@@ -3997,13 +4039,13 @@
       <dgm:spPr/>
     </dgm:pt>
     <dgm:pt modelId="{403134E1-E3DC-4F35-941C-CE63FF45130E}" type="pres">
-      <dgm:prSet presAssocID="{293F131C-7621-4174-978D-E1F960304A61}" presName="iconBgRect" presStyleLbl="bgShp" presStyleIdx="2" presStyleCnt="3"/>
+      <dgm:prSet presAssocID="{293F131C-7621-4174-978D-E1F960304A61}" presName="iconBgRect" presStyleLbl="bgShp" presStyleIdx="2" presStyleCnt="4"/>
       <dgm:spPr>
         <a:noFill/>
       </dgm:spPr>
     </dgm:pt>
     <dgm:pt modelId="{21080523-B091-47BF-9B13-A2181C0CAC7F}" type="pres">
-      <dgm:prSet presAssocID="{293F131C-7621-4174-978D-E1F960304A61}" presName="iconRect" presStyleLbl="node1" presStyleIdx="2" presStyleCnt="3"/>
+      <dgm:prSet presAssocID="{293F131C-7621-4174-978D-E1F960304A61}" presName="iconRect" presStyleLbl="node1" presStyleIdx="2" presStyleCnt="4"/>
       <dgm:spPr>
         <a:blipFill rotWithShape="1">
           <a:blip xmlns:r="http://schemas.openxmlformats.org/officeDocument/2006/relationships" r:embed="rId5">
@@ -4031,7 +4073,63 @@
       <dgm:spPr/>
     </dgm:pt>
     <dgm:pt modelId="{23476600-4902-48B8-AD17-C0B8EA06031C}" type="pres">
-      <dgm:prSet presAssocID="{293F131C-7621-4174-978D-E1F960304A61}" presName="textRect" presStyleLbl="revTx" presStyleIdx="2" presStyleCnt="3">
+      <dgm:prSet presAssocID="{293F131C-7621-4174-978D-E1F960304A61}" presName="textRect" presStyleLbl="revTx" presStyleIdx="2" presStyleCnt="4">
+        <dgm:presLayoutVars>
+          <dgm:chMax val="1"/>
+          <dgm:chPref val="1"/>
+        </dgm:presLayoutVars>
+      </dgm:prSet>
+      <dgm:spPr/>
+    </dgm:pt>
+    <dgm:pt modelId="{63AB3480-0B77-4017-B155-8C810A1AB10F}" type="pres">
+      <dgm:prSet presAssocID="{E14F6FDE-08F9-4A39-B1E4-8A3B673E1BE4}" presName="sibTrans" presStyleCnt="0"/>
+      <dgm:spPr/>
+    </dgm:pt>
+    <dgm:pt modelId="{1DECE80D-D5D8-4B69-8D82-953C0B3D086D}" type="pres">
+      <dgm:prSet presAssocID="{CBA48EAD-4DF5-4B87-952C-8F6A3D93F608}" presName="compNode" presStyleCnt="0"/>
+      <dgm:spPr/>
+    </dgm:pt>
+    <dgm:pt modelId="{4A76D86E-4A52-40EB-AF7C-6962F8F6D552}" type="pres">
+      <dgm:prSet presAssocID="{CBA48EAD-4DF5-4B87-952C-8F6A3D93F608}" presName="iconBgRect" presStyleLbl="bgShp" presStyleIdx="3" presStyleCnt="4"/>
+      <dgm:spPr>
+        <a:noFill/>
+      </dgm:spPr>
+    </dgm:pt>
+    <dgm:pt modelId="{970577E9-B7DB-4A26-B01F-2FE83AB68F50}" type="pres">
+      <dgm:prSet presAssocID="{CBA48EAD-4DF5-4B87-952C-8F6A3D93F608}" presName="iconRect" presStyleLbl="node1" presStyleIdx="3" presStyleCnt="4"/>
+      <dgm:spPr>
+        <a:blipFill>
+          <a:blip xmlns:r="http://schemas.openxmlformats.org/officeDocument/2006/relationships" r:embed="rId7">
+            <a:extLst>
+              <a:ext uri="{28A0092B-C50C-407E-A947-70E740481C1C}">
+                <a14:useLocalDpi xmlns:a14="http://schemas.microsoft.com/office/drawing/2010/main" val="0"/>
+              </a:ext>
+              <a:ext uri="{96DAC541-7B7A-43D3-8B79-37D633B846F1}">
+                <asvg:svgBlip xmlns:asvg="http://schemas.microsoft.com/office/drawing/2016/SVG/main" r:embed="rId8"/>
+              </a:ext>
+            </a:extLst>
+          </a:blip>
+          <a:srcRect/>
+          <a:stretch>
+            <a:fillRect/>
+          </a:stretch>
+        </a:blipFill>
+        <a:ln>
+          <a:noFill/>
+        </a:ln>
+      </dgm:spPr>
+      <dgm:extLst>
+        <a:ext uri="{E40237B7-FDA0-4F09-8148-C483321AD2D9}">
+          <dgm14:cNvPr xmlns:dgm14="http://schemas.microsoft.com/office/drawing/2010/diagram" id="0" name="" descr="Lápis"/>
+        </a:ext>
+      </dgm:extLst>
+    </dgm:pt>
+    <dgm:pt modelId="{9030827E-7724-4541-8132-2A578A069F43}" type="pres">
+      <dgm:prSet presAssocID="{CBA48EAD-4DF5-4B87-952C-8F6A3D93F608}" presName="spaceRect" presStyleCnt="0"/>
+      <dgm:spPr/>
+    </dgm:pt>
+    <dgm:pt modelId="{40988211-2F47-4687-869C-774E9A930003}" type="pres">
+      <dgm:prSet presAssocID="{CBA48EAD-4DF5-4B87-952C-8F6A3D93F608}" presName="textRect" presStyleLbl="revTx" presStyleIdx="3" presStyleCnt="4">
         <dgm:presLayoutVars>
           <dgm:chMax val="1"/>
           <dgm:chPref val="1"/>
@@ -4044,8 +4142,10 @@
     <dgm:cxn modelId="{078A4317-2B6D-401A-9D0F-6053E4151430}" type="presOf" srcId="{293F131C-7621-4174-978D-E1F960304A61}" destId="{23476600-4902-48B8-AD17-C0B8EA06031C}" srcOrd="0" destOrd="0" presId="urn:microsoft.com/office/officeart/2018/5/layout/IconCircleLabelList"/>
     <dgm:cxn modelId="{55AC1A38-636C-4CB5-8F2F-5AF7033FBE1C}" srcId="{4C21E754-37B1-4C20-BB8A-B211A9BF4BDE}" destId="{2AC8472E-65A4-4D4F-A8F1-31A0ABB692B3}" srcOrd="1" destOrd="0" parTransId="{CD4BE53E-EA6B-4321-A05D-97FAAAA51E00}" sibTransId="{69CAD156-3812-44E7-A282-8711F4F1E955}"/>
     <dgm:cxn modelId="{85548D3E-61CF-4BE4-BFC6-B8DF1F261B1D}" srcId="{4C21E754-37B1-4C20-BB8A-B211A9BF4BDE}" destId="{9ACA20DC-D233-4F0D-A4A8-0DA1F278DD6F}" srcOrd="0" destOrd="0" parTransId="{6571AF95-3C61-4D82-888E-AD613C6A5D74}" sibTransId="{FB46FCAF-2568-4C44-8F22-F739BE6735BC}"/>
+    <dgm:cxn modelId="{04644343-84DF-4A1F-A352-E7925035AC7F}" srcId="{4C21E754-37B1-4C20-BB8A-B211A9BF4BDE}" destId="{CBA48EAD-4DF5-4B87-952C-8F6A3D93F608}" srcOrd="3" destOrd="0" parTransId="{C26B70F9-1E23-4D26-8145-F0D4B479DA30}" sibTransId="{70EF5197-CAF6-41F8-A87E-9AD876695562}"/>
     <dgm:cxn modelId="{A1BD2757-C3C9-4FA4-A52D-04C674244070}" type="presOf" srcId="{4C21E754-37B1-4C20-BB8A-B211A9BF4BDE}" destId="{1D720620-76ED-4C87-851F-081205531660}" srcOrd="0" destOrd="0" presId="urn:microsoft.com/office/officeart/2018/5/layout/IconCircleLabelList"/>
     <dgm:cxn modelId="{64BA3E82-1544-4161-8454-0A4E9250ACCA}" type="presOf" srcId="{9ACA20DC-D233-4F0D-A4A8-0DA1F278DD6F}" destId="{94CBC2AE-0DE1-4D41-AFAB-4E43561DAFA0}" srcOrd="0" destOrd="0" presId="urn:microsoft.com/office/officeart/2018/5/layout/IconCircleLabelList"/>
+    <dgm:cxn modelId="{6937D094-9560-4F0E-86FC-170A1157DDE6}" type="presOf" srcId="{CBA48EAD-4DF5-4B87-952C-8F6A3D93F608}" destId="{40988211-2F47-4687-869C-774E9A930003}" srcOrd="0" destOrd="0" presId="urn:microsoft.com/office/officeart/2018/5/layout/IconCircleLabelList"/>
     <dgm:cxn modelId="{5C2050AA-727B-4A5E-B96C-0EF263EB646A}" type="presOf" srcId="{2AC8472E-65A4-4D4F-A8F1-31A0ABB692B3}" destId="{64E22FFC-A031-4DB8-A783-157CC8C08DF1}" srcOrd="0" destOrd="0" presId="urn:microsoft.com/office/officeart/2018/5/layout/IconCircleLabelList"/>
     <dgm:cxn modelId="{4D532FAF-39E4-4853-B24A-B501C913B64A}" srcId="{4C21E754-37B1-4C20-BB8A-B211A9BF4BDE}" destId="{293F131C-7621-4174-978D-E1F960304A61}" srcOrd="2" destOrd="0" parTransId="{A3D55DDE-8CDF-4638-9113-9EE893B707A8}" sibTransId="{E14F6FDE-08F9-4A39-B1E4-8A3B673E1BE4}"/>
     <dgm:cxn modelId="{72714A8B-1D72-4F87-82F5-32720CC65170}" type="presParOf" srcId="{1D720620-76ED-4C87-851F-081205531660}" destId="{DC87A8F5-E003-4973-A235-C37EAE331807}" srcOrd="0" destOrd="0" presId="urn:microsoft.com/office/officeart/2018/5/layout/IconCircleLabelList"/>
@@ -4065,6 +4165,12 @@
     <dgm:cxn modelId="{9C7F44F9-05FF-4309-B6CF-27BAEE4A777D}" type="presParOf" srcId="{82025B6F-8F89-41A6-A5B5-A9860C1BCDAE}" destId="{21080523-B091-47BF-9B13-A2181C0CAC7F}" srcOrd="1" destOrd="0" presId="urn:microsoft.com/office/officeart/2018/5/layout/IconCircleLabelList"/>
     <dgm:cxn modelId="{B09B4152-B245-49F5-B7CE-1214BF4AFFA2}" type="presParOf" srcId="{82025B6F-8F89-41A6-A5B5-A9860C1BCDAE}" destId="{24C63E7B-FC68-4486-9182-087490A49048}" srcOrd="2" destOrd="0" presId="urn:microsoft.com/office/officeart/2018/5/layout/IconCircleLabelList"/>
     <dgm:cxn modelId="{1D321DBF-908E-479F-BD2A-9E14679C8BDE}" type="presParOf" srcId="{82025B6F-8F89-41A6-A5B5-A9860C1BCDAE}" destId="{23476600-4902-48B8-AD17-C0B8EA06031C}" srcOrd="3" destOrd="0" presId="urn:microsoft.com/office/officeart/2018/5/layout/IconCircleLabelList"/>
+    <dgm:cxn modelId="{09925053-D8A4-4A88-BB1C-1A15CD07DEA1}" type="presParOf" srcId="{1D720620-76ED-4C87-851F-081205531660}" destId="{63AB3480-0B77-4017-B155-8C810A1AB10F}" srcOrd="5" destOrd="0" presId="urn:microsoft.com/office/officeart/2018/5/layout/IconCircleLabelList"/>
+    <dgm:cxn modelId="{EABC30EB-033F-4117-BBFA-79DC292A9119}" type="presParOf" srcId="{1D720620-76ED-4C87-851F-081205531660}" destId="{1DECE80D-D5D8-4B69-8D82-953C0B3D086D}" srcOrd="6" destOrd="0" presId="urn:microsoft.com/office/officeart/2018/5/layout/IconCircleLabelList"/>
+    <dgm:cxn modelId="{0FD79E8E-FFA0-4DA7-A212-16596D0D7C5A}" type="presParOf" srcId="{1DECE80D-D5D8-4B69-8D82-953C0B3D086D}" destId="{4A76D86E-4A52-40EB-AF7C-6962F8F6D552}" srcOrd="0" destOrd="0" presId="urn:microsoft.com/office/officeart/2018/5/layout/IconCircleLabelList"/>
+    <dgm:cxn modelId="{3791CEBD-9EC9-4F92-8505-9F5101F53319}" type="presParOf" srcId="{1DECE80D-D5D8-4B69-8D82-953C0B3D086D}" destId="{970577E9-B7DB-4A26-B01F-2FE83AB68F50}" srcOrd="1" destOrd="0" presId="urn:microsoft.com/office/officeart/2018/5/layout/IconCircleLabelList"/>
+    <dgm:cxn modelId="{E7E76945-75F3-4AF5-843B-D5AD94EE7900}" type="presParOf" srcId="{1DECE80D-D5D8-4B69-8D82-953C0B3D086D}" destId="{9030827E-7724-4541-8132-2A578A069F43}" srcOrd="2" destOrd="0" presId="urn:microsoft.com/office/officeart/2018/5/layout/IconCircleLabelList"/>
+    <dgm:cxn modelId="{7DBBE2A3-4E6F-41A4-8D2C-17E44A37928C}" type="presParOf" srcId="{1DECE80D-D5D8-4B69-8D82-953C0B3D086D}" destId="{40988211-2F47-4687-869C-774E9A930003}" srcOrd="3" destOrd="0" presId="urn:microsoft.com/office/officeart/2018/5/layout/IconCircleLabelList"/>
   </dgm:cxnLst>
   <dgm:bg/>
   <dgm:whole>
@@ -4139,12 +4245,16 @@
         <a:lstStyle/>
         <a:p>
           <a:r>
+            <a:rPr lang="pt-PT" dirty="0" err="1"/>
+            <a:t>Markdown</a:t>
+          </a:r>
+          <a:r>
             <a:rPr lang="pt-PT" dirty="0"/>
-            <a:t>Cool </a:t>
+            <a:t> </a:t>
           </a:r>
           <a:r>
             <a:rPr lang="pt-PT" dirty="0" err="1"/>
-            <a:t>animations</a:t>
+            <a:t>support</a:t>
           </a:r>
           <a:endParaRPr lang="en-US" dirty="0"/>
         </a:p>
@@ -4180,12 +4290,16 @@
         <a:lstStyle/>
         <a:p>
           <a:r>
+            <a:rPr lang="pt-PT" dirty="0"/>
+            <a:t>Auto </a:t>
+          </a:r>
+          <a:r>
             <a:rPr lang="pt-PT" dirty="0" err="1"/>
-            <a:t>Clean</a:t>
+            <a:t>sign</a:t>
           </a:r>
           <a:r>
             <a:rPr lang="pt-PT" dirty="0"/>
-            <a:t> design</a:t>
+            <a:t>-in</a:t>
           </a:r>
           <a:endParaRPr lang="en-US" dirty="0"/>
         </a:p>
@@ -5293,8 +5407,8 @@
       </dsp:nvSpPr>
       <dsp:spPr>
         <a:xfrm>
-          <a:off x="625409" y="40818"/>
-          <a:ext cx="1749937" cy="1749937"/>
+          <a:off x="636511" y="369040"/>
+          <a:ext cx="1249400" cy="1249400"/>
         </a:xfrm>
         <a:prstGeom prst="ellipse">
           <a:avLst/>
@@ -5325,8 +5439,8 @@
       </dsp:nvSpPr>
       <dsp:spPr>
         <a:xfrm>
-          <a:off x="998346" y="413756"/>
-          <a:ext cx="1004062" cy="1004062"/>
+          <a:off x="902776" y="635305"/>
+          <a:ext cx="716869" cy="716869"/>
         </a:xfrm>
         <a:prstGeom prst="rect">
           <a:avLst/>
@@ -5374,8 +5488,8 @@
       </dsp:nvSpPr>
       <dsp:spPr>
         <a:xfrm>
-          <a:off x="66003" y="2335819"/>
-          <a:ext cx="2868750" cy="720000"/>
+          <a:off x="237112" y="2007597"/>
+          <a:ext cx="2048197" cy="720000"/>
         </a:xfrm>
         <a:prstGeom prst="rect">
           <a:avLst/>
@@ -5404,7 +5518,7 @@
         </a:bodyPr>
         <a:lstStyle/>
         <a:p>
-          <a:pPr marL="0" lvl="0" indent="0" algn="ctr" defTabSz="1022350">
+          <a:pPr marL="0" lvl="0" indent="0" algn="ctr" defTabSz="933450">
             <a:lnSpc>
               <a:spcPct val="100000"/>
             </a:lnSpc>
@@ -5418,39 +5532,39 @@
             <a:defRPr cap="all"/>
           </a:pPr>
           <a:r>
-            <a:rPr lang="pt-PT" sz="2300" kern="1200" cap="none" baseline="0" err="1"/>
+            <a:rPr lang="pt-PT" sz="2100" kern="1200" cap="none" baseline="0" err="1"/>
             <a:t>Search</a:t>
           </a:r>
           <a:r>
-            <a:rPr lang="pt-PT" sz="2300" kern="1200" cap="none" baseline="0"/>
+            <a:rPr lang="pt-PT" sz="2100" kern="1200" cap="none" baseline="0"/>
             <a:t> for </a:t>
           </a:r>
           <a:r>
-            <a:rPr lang="pt-PT" sz="2300" kern="1200" cap="none" baseline="0" err="1"/>
+            <a:rPr lang="pt-PT" sz="2100" kern="1200" cap="none" baseline="0" err="1"/>
             <a:t>talks</a:t>
           </a:r>
           <a:r>
-            <a:rPr lang="pt-PT" sz="2300" kern="1200" cap="none" baseline="0"/>
+            <a:rPr lang="pt-PT" sz="2100" kern="1200" cap="none" baseline="0"/>
             <a:t> </a:t>
           </a:r>
           <a:r>
-            <a:rPr lang="pt-PT" sz="2300" kern="1200" cap="none" baseline="0" err="1"/>
+            <a:rPr lang="pt-PT" sz="2100" kern="1200" cap="none" baseline="0" err="1"/>
             <a:t>near</a:t>
           </a:r>
           <a:r>
-            <a:rPr lang="pt-PT" sz="2300" kern="1200" cap="none" baseline="0"/>
+            <a:rPr lang="pt-PT" sz="2100" kern="1200" cap="none" baseline="0"/>
             <a:t> </a:t>
           </a:r>
           <a:r>
-            <a:rPr lang="pt-PT" sz="2300" kern="1200" cap="none" baseline="0" err="1"/>
+            <a:rPr lang="pt-PT" sz="2100" kern="1200" cap="none" baseline="0" err="1"/>
             <a:t>you</a:t>
           </a:r>
-          <a:endParaRPr lang="en-US" sz="2300" kern="1200" cap="none" baseline="0"/>
+          <a:endParaRPr lang="en-US" sz="2100" kern="1200" cap="none" baseline="0"/>
         </a:p>
       </dsp:txBody>
       <dsp:txXfrm>
-        <a:off x="66003" y="2335819"/>
-        <a:ext cx="2868750" cy="720000"/>
+        <a:off x="237112" y="2007597"/>
+        <a:ext cx="2048197" cy="720000"/>
       </dsp:txXfrm>
     </dsp:sp>
     <dsp:sp modelId="{B05B23B2-BA8F-4D6D-811A-7A869CAA9E1E}">
@@ -5460,8 +5574,8 @@
       </dsp:nvSpPr>
       <dsp:spPr>
         <a:xfrm>
-          <a:off x="3996190" y="40818"/>
-          <a:ext cx="1749937" cy="1749937"/>
+          <a:off x="3043143" y="369040"/>
+          <a:ext cx="1249400" cy="1249400"/>
         </a:xfrm>
         <a:prstGeom prst="ellipse">
           <a:avLst/>
@@ -5492,8 +5606,8 @@
       </dsp:nvSpPr>
       <dsp:spPr>
         <a:xfrm>
-          <a:off x="4369128" y="413756"/>
-          <a:ext cx="1004062" cy="1004062"/>
+          <a:off x="3309408" y="635305"/>
+          <a:ext cx="716869" cy="716869"/>
         </a:xfrm>
         <a:prstGeom prst="rect">
           <a:avLst/>
@@ -5541,8 +5655,8 @@
       </dsp:nvSpPr>
       <dsp:spPr>
         <a:xfrm>
-          <a:off x="3436784" y="2335819"/>
-          <a:ext cx="2868750" cy="720000"/>
+          <a:off x="2643744" y="2007597"/>
+          <a:ext cx="2048197" cy="720000"/>
         </a:xfrm>
         <a:prstGeom prst="rect">
           <a:avLst/>
@@ -5571,7 +5685,7 @@
         </a:bodyPr>
         <a:lstStyle/>
         <a:p>
-          <a:pPr marL="0" lvl="0" indent="0" algn="ctr" defTabSz="1022350">
+          <a:pPr marL="0" lvl="0" indent="0" algn="ctr" defTabSz="933450">
             <a:lnSpc>
               <a:spcPct val="100000"/>
             </a:lnSpc>
@@ -5585,35 +5699,35 @@
             <a:defRPr cap="all"/>
           </a:pPr>
           <a:r>
-            <a:rPr lang="pt-PT" sz="2300" kern="1200" cap="none" baseline="0"/>
+            <a:rPr lang="pt-PT" sz="2100" kern="1200" cap="none" baseline="0"/>
             <a:t>Pin </a:t>
           </a:r>
           <a:r>
-            <a:rPr lang="pt-PT" sz="2300" kern="1200" cap="none" baseline="0" err="1"/>
+            <a:rPr lang="pt-PT" sz="2100" kern="1200" cap="none" baseline="0" err="1"/>
             <a:t>the</a:t>
           </a:r>
           <a:r>
-            <a:rPr lang="pt-PT" sz="2300" kern="1200" cap="none" baseline="0"/>
+            <a:rPr lang="pt-PT" sz="2100" kern="1200" cap="none" baseline="0"/>
             <a:t> </a:t>
           </a:r>
           <a:r>
-            <a:rPr lang="pt-PT" sz="2300" kern="1200" cap="none" baseline="0" err="1"/>
+            <a:rPr lang="pt-PT" sz="2100" kern="1200" cap="none" baseline="0" err="1"/>
             <a:t>best</a:t>
           </a:r>
           <a:r>
-            <a:rPr lang="pt-PT" sz="2300" kern="1200" cap="none" baseline="0"/>
+            <a:rPr lang="pt-PT" sz="2100" kern="1200" cap="none" baseline="0"/>
             <a:t> </a:t>
           </a:r>
           <a:r>
-            <a:rPr lang="pt-PT" sz="2300" kern="1200" cap="none" baseline="0" err="1"/>
+            <a:rPr lang="pt-PT" sz="2100" kern="1200" cap="none" baseline="0" err="1"/>
             <a:t>answers</a:t>
           </a:r>
-          <a:endParaRPr lang="en-US" sz="2300" kern="1200" cap="none" baseline="0"/>
+          <a:endParaRPr lang="en-US" sz="2100" kern="1200" cap="none" baseline="0"/>
         </a:p>
       </dsp:txBody>
       <dsp:txXfrm>
-        <a:off x="3436784" y="2335819"/>
-        <a:ext cx="2868750" cy="720000"/>
+        <a:off x="2643744" y="2007597"/>
+        <a:ext cx="2048197" cy="720000"/>
       </dsp:txXfrm>
     </dsp:sp>
     <dsp:sp modelId="{403134E1-E3DC-4F35-941C-CE63FF45130E}">
@@ -5623,8 +5737,8 @@
       </dsp:nvSpPr>
       <dsp:spPr>
         <a:xfrm>
-          <a:off x="7366972" y="40818"/>
-          <a:ext cx="1749937" cy="1749937"/>
+          <a:off x="5449775" y="369040"/>
+          <a:ext cx="1249400" cy="1249400"/>
         </a:xfrm>
         <a:prstGeom prst="ellipse">
           <a:avLst/>
@@ -5655,8 +5769,8 @@
       </dsp:nvSpPr>
       <dsp:spPr>
         <a:xfrm>
-          <a:off x="7739909" y="413756"/>
-          <a:ext cx="1004062" cy="1004062"/>
+          <a:off x="5716040" y="635305"/>
+          <a:ext cx="716869" cy="716869"/>
         </a:xfrm>
         <a:prstGeom prst="rect">
           <a:avLst/>
@@ -5705,8 +5819,8 @@
       </dsp:nvSpPr>
       <dsp:spPr>
         <a:xfrm>
-          <a:off x="6807565" y="2335819"/>
-          <a:ext cx="2868750" cy="720000"/>
+          <a:off x="5050376" y="2007597"/>
+          <a:ext cx="2048197" cy="720000"/>
         </a:xfrm>
         <a:prstGeom prst="rect">
           <a:avLst/>
@@ -5735,7 +5849,7 @@
         </a:bodyPr>
         <a:lstStyle/>
         <a:p>
-          <a:pPr marL="0" lvl="0" indent="0" algn="ctr" defTabSz="1022350">
+          <a:pPr marL="0" lvl="0" indent="0" algn="ctr" defTabSz="933450">
             <a:lnSpc>
               <a:spcPct val="100000"/>
             </a:lnSpc>
@@ -5749,14 +5863,157 @@
             <a:defRPr cap="all"/>
           </a:pPr>
           <a:r>
-            <a:rPr lang="en-US" sz="2300" kern="1200" cap="none" baseline="0"/>
-            <a:t>Mark the question as answered</a:t>
+            <a:rPr lang="en-US" sz="2100" kern="1200" cap="none" baseline="0" dirty="0"/>
+            <a:t>Mark the question as answer</a:t>
           </a:r>
         </a:p>
       </dsp:txBody>
       <dsp:txXfrm>
-        <a:off x="6807565" y="2335819"/>
-        <a:ext cx="2868750" cy="720000"/>
+        <a:off x="5050376" y="2007597"/>
+        <a:ext cx="2048197" cy="720000"/>
+      </dsp:txXfrm>
+    </dsp:sp>
+    <dsp:sp modelId="{4A76D86E-4A52-40EB-AF7C-6962F8F6D552}">
+      <dsp:nvSpPr>
+        <dsp:cNvPr id="0" name=""/>
+        <dsp:cNvSpPr/>
+      </dsp:nvSpPr>
+      <dsp:spPr>
+        <a:xfrm>
+          <a:off x="7856407" y="369040"/>
+          <a:ext cx="1249400" cy="1249400"/>
+        </a:xfrm>
+        <a:prstGeom prst="ellipse">
+          <a:avLst/>
+        </a:prstGeom>
+        <a:noFill/>
+        <a:ln>
+          <a:noFill/>
+        </a:ln>
+        <a:effectLst/>
+      </dsp:spPr>
+      <dsp:style>
+        <a:lnRef idx="0">
+          <a:scrgbClr r="0" g="0" b="0"/>
+        </a:lnRef>
+        <a:fillRef idx="1">
+          <a:scrgbClr r="0" g="0" b="0"/>
+        </a:fillRef>
+        <a:effectRef idx="0">
+          <a:scrgbClr r="0" g="0" b="0"/>
+        </a:effectRef>
+        <a:fontRef idx="minor"/>
+      </dsp:style>
+    </dsp:sp>
+    <dsp:sp modelId="{970577E9-B7DB-4A26-B01F-2FE83AB68F50}">
+      <dsp:nvSpPr>
+        <dsp:cNvPr id="0" name=""/>
+        <dsp:cNvSpPr/>
+      </dsp:nvSpPr>
+      <dsp:spPr>
+        <a:xfrm>
+          <a:off x="8122672" y="635305"/>
+          <a:ext cx="716869" cy="716869"/>
+        </a:xfrm>
+        <a:prstGeom prst="rect">
+          <a:avLst/>
+        </a:prstGeom>
+        <a:blipFill>
+          <a:blip xmlns:r="http://schemas.openxmlformats.org/officeDocument/2006/relationships" r:embed="rId7">
+            <a:extLst>
+              <a:ext uri="{28A0092B-C50C-407E-A947-70E740481C1C}">
+                <a14:useLocalDpi xmlns:a14="http://schemas.microsoft.com/office/drawing/2010/main" val="0"/>
+              </a:ext>
+              <a:ext uri="{96DAC541-7B7A-43D3-8B79-37D633B846F1}">
+                <asvg:svgBlip xmlns:asvg="http://schemas.microsoft.com/office/drawing/2016/SVG/main" r:embed="rId8"/>
+              </a:ext>
+            </a:extLst>
+          </a:blip>
+          <a:srcRect/>
+          <a:stretch>
+            <a:fillRect/>
+          </a:stretch>
+        </a:blipFill>
+        <a:ln w="22225" cap="rnd" cmpd="sng" algn="ctr">
+          <a:noFill/>
+          <a:prstDash val="solid"/>
+        </a:ln>
+        <a:effectLst/>
+      </dsp:spPr>
+      <dsp:style>
+        <a:lnRef idx="3">
+          <a:scrgbClr r="0" g="0" b="0"/>
+        </a:lnRef>
+        <a:fillRef idx="1">
+          <a:scrgbClr r="0" g="0" b="0"/>
+        </a:fillRef>
+        <a:effectRef idx="1">
+          <a:scrgbClr r="0" g="0" b="0"/>
+        </a:effectRef>
+        <a:fontRef idx="minor">
+          <a:schemeClr val="lt1"/>
+        </a:fontRef>
+      </dsp:style>
+    </dsp:sp>
+    <dsp:sp modelId="{40988211-2F47-4687-869C-774E9A930003}">
+      <dsp:nvSpPr>
+        <dsp:cNvPr id="0" name=""/>
+        <dsp:cNvSpPr/>
+      </dsp:nvSpPr>
+      <dsp:spPr>
+        <a:xfrm>
+          <a:off x="7457008" y="2007597"/>
+          <a:ext cx="2048197" cy="720000"/>
+        </a:xfrm>
+        <a:prstGeom prst="rect">
+          <a:avLst/>
+        </a:prstGeom>
+        <a:noFill/>
+        <a:ln>
+          <a:noFill/>
+        </a:ln>
+        <a:effectLst/>
+      </dsp:spPr>
+      <dsp:style>
+        <a:lnRef idx="0">
+          <a:scrgbClr r="0" g="0" b="0"/>
+        </a:lnRef>
+        <a:fillRef idx="0">
+          <a:scrgbClr r="0" g="0" b="0"/>
+        </a:fillRef>
+        <a:effectRef idx="0">
+          <a:scrgbClr r="0" g="0" b="0"/>
+        </a:effectRef>
+        <a:fontRef idx="minor"/>
+      </dsp:style>
+      <dsp:txBody>
+        <a:bodyPr spcFirstLastPara="0" vert="horz" wrap="square" lIns="0" tIns="0" rIns="0" bIns="0" numCol="1" spcCol="1270" anchor="t" anchorCtr="0">
+          <a:noAutofit/>
+        </a:bodyPr>
+        <a:lstStyle/>
+        <a:p>
+          <a:pPr marL="0" lvl="0" indent="0" algn="ctr" defTabSz="933450">
+            <a:lnSpc>
+              <a:spcPct val="100000"/>
+            </a:lnSpc>
+            <a:spcBef>
+              <a:spcPct val="0"/>
+            </a:spcBef>
+            <a:spcAft>
+              <a:spcPct val="35000"/>
+            </a:spcAft>
+            <a:buNone/>
+            <a:defRPr cap="all"/>
+          </a:pPr>
+          <a:r>
+            <a:rPr lang="en-US" sz="2100" kern="1200" cap="none" baseline="0" dirty="0"/>
+            <a:t>Edit / Delete your comments</a:t>
+          </a:r>
+        </a:p>
+      </dsp:txBody>
+      <dsp:txXfrm>
+        <a:off x="7457008" y="2007597"/>
+        <a:ext cx="2048197" cy="720000"/>
       </dsp:txXfrm>
     </dsp:sp>
   </dsp:spTree>
@@ -5980,12 +6237,16 @@
             <a:buNone/>
           </a:pPr>
           <a:r>
+            <a:rPr lang="pt-PT" sz="2500" kern="1200" dirty="0" err="1"/>
+            <a:t>Markdown</a:t>
+          </a:r>
+          <a:r>
             <a:rPr lang="pt-PT" sz="2500" kern="1200" dirty="0"/>
-            <a:t>Cool </a:t>
+            <a:t> </a:t>
           </a:r>
           <a:r>
             <a:rPr lang="pt-PT" sz="2500" kern="1200" dirty="0" err="1"/>
-            <a:t>animations</a:t>
+            <a:t>support</a:t>
           </a:r>
           <a:endParaRPr lang="en-US" sz="2500" kern="1200" dirty="0"/>
         </a:p>
@@ -6094,12 +6355,16 @@
             <a:buNone/>
           </a:pPr>
           <a:r>
+            <a:rPr lang="pt-PT" sz="2500" kern="1200" dirty="0"/>
+            <a:t>Auto </a:t>
+          </a:r>
+          <a:r>
             <a:rPr lang="pt-PT" sz="2500" kern="1200" dirty="0" err="1"/>
-            <a:t>Clean</a:t>
+            <a:t>sign</a:t>
           </a:r>
           <a:r>
             <a:rPr lang="pt-PT" sz="2500" kern="1200" dirty="0"/>
-            <a:t> design</a:t>
+            <a:t>-in</a:t>
           </a:r>
           <a:endParaRPr lang="en-US" sz="2500" kern="1200" dirty="0"/>
         </a:p>
@@ -12088,6 +12353,126 @@
           <a:lstStyle/>
           <a:p>
             <a:r>
+              <a:rPr lang="en-US" sz="1200" b="0" i="0" kern="1200" dirty="0">
+                <a:solidFill>
+                  <a:schemeClr val="tx1"/>
+                </a:solidFill>
+                <a:effectLst/>
+                <a:latin typeface="+mn-lt"/>
+                <a:ea typeface="+mn-ea"/>
+                <a:cs typeface="+mn-cs"/>
+              </a:rPr>
+              <a:t>Making host-</a:t>
+            </a:r>
+            <a:r>
+              <a:rPr lang="en-US" sz="1200" b="0" i="0" kern="1200" dirty="0" err="1">
+                <a:solidFill>
+                  <a:schemeClr val="tx1"/>
+                </a:solidFill>
+                <a:effectLst/>
+                <a:latin typeface="+mn-lt"/>
+                <a:ea typeface="+mn-ea"/>
+                <a:cs typeface="+mn-cs"/>
+              </a:rPr>
+              <a:t>atendee</a:t>
+            </a:r>
+            <a:r>
+              <a:rPr lang="en-US" sz="1200" b="0" i="0" kern="1200" dirty="0">
+                <a:solidFill>
+                  <a:schemeClr val="tx1"/>
+                </a:solidFill>
+                <a:effectLst/>
+                <a:latin typeface="+mn-lt"/>
+                <a:ea typeface="+mn-ea"/>
+                <a:cs typeface="+mn-cs"/>
+              </a:rPr>
+              <a:t> interaction simple. Users post relevant questions and the audience can vote and reply. The talk's host may answer the most popular ones.</a:t>
+            </a:r>
+            <a:endParaRPr lang="pt-PT" dirty="0"/>
+          </a:p>
+        </p:txBody>
+      </p:sp>
+      <p:sp>
+        <p:nvSpPr>
+          <p:cNvPr id="4" name="Marcador de Posição do Número do Diapositivo 3"/>
+          <p:cNvSpPr>
+            <a:spLocks noGrp="1"/>
+          </p:cNvSpPr>
+          <p:nvPr>
+            <p:ph type="sldNum" sz="quarter" idx="5"/>
+          </p:nvPr>
+        </p:nvSpPr>
+        <p:spPr/>
+        <p:txBody>
+          <a:bodyPr/>
+          <a:lstStyle/>
+          <a:p>
+            <a:fld id="{3FF727AB-6EB0-49A3-90CE-927644F1B1A0}" type="slidenum">
+              <a:rPr lang="pt-PT" smtClean="0"/>
+              <a:t>2</a:t>
+            </a:fld>
+            <a:endParaRPr lang="pt-PT"/>
+          </a:p>
+        </p:txBody>
+      </p:sp>
+    </p:spTree>
+    <p:extLst>
+      <p:ext uri="{BB962C8B-B14F-4D97-AF65-F5344CB8AC3E}">
+        <p14:creationId xmlns:p14="http://schemas.microsoft.com/office/powerpoint/2010/main" val="1914774051"/>
+      </p:ext>
+    </p:extLst>
+  </p:cSld>
+  <p:clrMapOvr>
+    <a:masterClrMapping/>
+  </p:clrMapOvr>
+</p:notes>
+</file>
+
+<file path=ppt/notesSlides/notesSlide3.xml><?xml version="1.0" encoding="utf-8"?>
+<p:notes xmlns:a="http://schemas.openxmlformats.org/drawingml/2006/main" xmlns:r="http://schemas.openxmlformats.org/officeDocument/2006/relationships" xmlns:p="http://schemas.openxmlformats.org/presentationml/2006/main">
+  <p:cSld>
+    <p:spTree>
+      <p:nvGrpSpPr>
+        <p:cNvPr id="1" name=""/>
+        <p:cNvGrpSpPr/>
+        <p:nvPr/>
+      </p:nvGrpSpPr>
+      <p:grpSpPr>
+        <a:xfrm>
+          <a:off x="0" y="0"/>
+          <a:ext cx="0" cy="0"/>
+          <a:chOff x="0" y="0"/>
+          <a:chExt cx="0" cy="0"/>
+        </a:xfrm>
+      </p:grpSpPr>
+      <p:sp>
+        <p:nvSpPr>
+          <p:cNvPr id="2" name="Marcador de Posição da Imagem do Diapositivo 1"/>
+          <p:cNvSpPr>
+            <a:spLocks noGrp="1" noRot="1" noChangeAspect="1"/>
+          </p:cNvSpPr>
+          <p:nvPr>
+            <p:ph type="sldImg"/>
+          </p:nvPr>
+        </p:nvSpPr>
+        <p:spPr/>
+      </p:sp>
+      <p:sp>
+        <p:nvSpPr>
+          <p:cNvPr id="3" name="Marcador de Posição de Notas 2"/>
+          <p:cNvSpPr>
+            <a:spLocks noGrp="1"/>
+          </p:cNvSpPr>
+          <p:nvPr>
+            <p:ph type="body" idx="1"/>
+          </p:nvPr>
+        </p:nvSpPr>
+        <p:spPr/>
+        <p:txBody>
+          <a:bodyPr/>
+          <a:lstStyle/>
+          <a:p>
+            <a:r>
               <a:rPr lang="pt-PT" dirty="0"/>
               <a:t>- Lista de </a:t>
             </a:r>
@@ -12185,7 +12570,7 @@
 </p:notes>
 </file>
 
-<file path=ppt/notesSlides/notesSlide3.xml><?xml version="1.0" encoding="utf-8"?>
+<file path=ppt/notesSlides/notesSlide4.xml><?xml version="1.0" encoding="utf-8"?>
 <p:notes xmlns:a="http://schemas.openxmlformats.org/drawingml/2006/main" xmlns:r="http://schemas.openxmlformats.org/officeDocument/2006/relationships" xmlns:p="http://schemas.openxmlformats.org/presentationml/2006/main">
   <p:cSld>
     <p:spTree>
@@ -12327,7 +12712,7 @@
 </p:notes>
 </file>
 
-<file path=ppt/notesSlides/notesSlide4.xml><?xml version="1.0" encoding="utf-8"?>
+<file path=ppt/notesSlides/notesSlide5.xml><?xml version="1.0" encoding="utf-8"?>
 <p:notes xmlns:a="http://schemas.openxmlformats.org/drawingml/2006/main" xmlns:r="http://schemas.openxmlformats.org/officeDocument/2006/relationships" xmlns:p="http://schemas.openxmlformats.org/presentationml/2006/main">
   <p:cSld>
     <p:spTree>
@@ -12475,7 +12860,7 @@
 </p:notes>
 </file>
 
-<file path=ppt/notesSlides/notesSlide5.xml><?xml version="1.0" encoding="utf-8"?>
+<file path=ppt/notesSlides/notesSlide6.xml><?xml version="1.0" encoding="utf-8"?>
 <p:notes xmlns:a="http://schemas.openxmlformats.org/drawingml/2006/main" xmlns:r="http://schemas.openxmlformats.org/officeDocument/2006/relationships" xmlns:p="http://schemas.openxmlformats.org/presentationml/2006/main">
   <p:cSld>
     <p:spTree>
@@ -12559,7 +12944,7 @@
 </p:notes>
 </file>
 
-<file path=ppt/notesSlides/notesSlide6.xml><?xml version="1.0" encoding="utf-8"?>
+<file path=ppt/notesSlides/notesSlide7.xml><?xml version="1.0" encoding="utf-8"?>
 <p:notes xmlns:a="http://schemas.openxmlformats.org/drawingml/2006/main" xmlns:r="http://schemas.openxmlformats.org/officeDocument/2006/relationships" xmlns:p="http://schemas.openxmlformats.org/presentationml/2006/main">
   <p:cSld>
     <p:spTree>
@@ -12703,7 +13088,7 @@
 </p:notes>
 </file>
 
-<file path=ppt/notesSlides/notesSlide7.xml><?xml version="1.0" encoding="utf-8"?>
+<file path=ppt/notesSlides/notesSlide8.xml><?xml version="1.0" encoding="utf-8"?>
 <p:notes xmlns:a="http://schemas.openxmlformats.org/drawingml/2006/main" xmlns:r="http://schemas.openxmlformats.org/officeDocument/2006/relationships" xmlns:p="http://schemas.openxmlformats.org/presentationml/2006/main">
   <p:cSld>
     <p:spTree>
@@ -18900,7 +19285,7 @@
           <a:p>
             <a:r>
               <a:rPr lang="pt-PT" dirty="0" err="1"/>
-              <a:t>You</a:t>
+              <a:t>Ask</a:t>
             </a:r>
             <a:r>
               <a:rPr lang="pt-PT" dirty="0"/>
@@ -18908,19 +19293,11 @@
             </a:r>
             <a:r>
               <a:rPr lang="pt-PT" dirty="0" err="1"/>
-              <a:t>ask</a:t>
+              <a:t>away</a:t>
             </a:r>
             <a:r>
               <a:rPr lang="pt-PT" dirty="0"/>
-              <a:t>, YOU </a:t>
-            </a:r>
-            <a:r>
-              <a:rPr lang="pt-PT" dirty="0" err="1"/>
-              <a:t>answer</a:t>
-            </a:r>
-            <a:r>
-              <a:rPr lang="pt-PT" dirty="0"/>
-              <a:t>.</a:t>
+              <a:t>!</a:t>
             </a:r>
           </a:p>
         </p:txBody>
@@ -19513,7 +19890,7 @@
             <p:ph idx="1"/>
             <p:extLst>
               <p:ext uri="{D42A27DB-BD31-4B8C-83A1-F6EECF244321}">
-                <p14:modId xmlns:p14="http://schemas.microsoft.com/office/powerpoint/2010/main" val="938071846"/>
+                <p14:modId xmlns:p14="http://schemas.microsoft.com/office/powerpoint/2010/main" val="3028868363"/>
               </p:ext>
             </p:extLst>
           </p:nvPr>
@@ -20607,7 +20984,7 @@
             <p:ph idx="1"/>
             <p:extLst>
               <p:ext uri="{D42A27DB-BD31-4B8C-83A1-F6EECF244321}">
-                <p14:modId xmlns:p14="http://schemas.microsoft.com/office/powerpoint/2010/main" val="1656869157"/>
+                <p14:modId xmlns:p14="http://schemas.microsoft.com/office/powerpoint/2010/main" val="578850533"/>
               </p:ext>
             </p:extLst>
           </p:nvPr>
